--- a/Countries of the world (1).pptx
+++ b/Countries of the world (1).pptx
@@ -171,7 +171,7 @@
           <a:noFill/>
           <a:extLst>
             <a:ext uri="{909E8E84-426E-40dd-AFC4-6F175D3DCCD1}">
-              <a14:hiddenFill xmlns="" xmlns:a14="http://schemas.microsoft.com/office/drawing/2010/main">
+              <a14:hiddenFill xmlns:a14="http://schemas.microsoft.com/office/drawing/2010/main" xmlns="">
                 <a:solidFill>
                   <a:srgbClr val="FFFFFF"/>
                 </a:solidFill>
@@ -231,7 +231,7 @@
             </a:ln>
             <a:extLst>
               <a:ext uri="{91240B29-F687-4f45-9708-019B960494DF}">
-                <a14:hiddenLine xmlns="" xmlns:a14="http://schemas.microsoft.com/office/drawing/2010/main" w="9525">
+                <a14:hiddenLine xmlns:a14="http://schemas.microsoft.com/office/drawing/2010/main" xmlns="" w="9525">
                   <a:solidFill>
                     <a:srgbClr val="000000"/>
                   </a:solidFill>
@@ -321,7 +321,7 @@
             </a:ln>
             <a:extLst>
               <a:ext uri="{91240B29-F687-4f45-9708-019B960494DF}">
-                <a14:hiddenLine xmlns="" xmlns:a14="http://schemas.microsoft.com/office/drawing/2010/main" w="9525">
+                <a14:hiddenLine xmlns:a14="http://schemas.microsoft.com/office/drawing/2010/main" xmlns="" w="9525">
                   <a:solidFill>
                     <a:srgbClr val="000000"/>
                   </a:solidFill>
@@ -411,7 +411,7 @@
             </a:ln>
             <a:extLst>
               <a:ext uri="{91240B29-F687-4f45-9708-019B960494DF}">
-                <a14:hiddenLine xmlns="" xmlns:a14="http://schemas.microsoft.com/office/drawing/2010/main" w="9525">
+                <a14:hiddenLine xmlns:a14="http://schemas.microsoft.com/office/drawing/2010/main" xmlns="" w="9525">
                   <a:solidFill>
                     <a:srgbClr val="000000"/>
                   </a:solidFill>
@@ -445,7 +445,7 @@
             </a:ln>
             <a:extLst>
               <a:ext uri="{91240B29-F687-4f45-9708-019B960494DF}">
-                <a14:hiddenLine xmlns="" xmlns:a14="http://schemas.microsoft.com/office/drawing/2010/main" w="9525">
+                <a14:hiddenLine xmlns:a14="http://schemas.microsoft.com/office/drawing/2010/main" xmlns="" w="9525">
                   <a:solidFill>
                     <a:srgbClr val="000000"/>
                   </a:solidFill>
@@ -535,7 +535,7 @@
             </a:ln>
             <a:extLst>
               <a:ext uri="{91240B29-F687-4f45-9708-019B960494DF}">
-                <a14:hiddenLine xmlns="" xmlns:a14="http://schemas.microsoft.com/office/drawing/2010/main" w="9525">
+                <a14:hiddenLine xmlns:a14="http://schemas.microsoft.com/office/drawing/2010/main" xmlns="" w="9525">
                   <a:solidFill>
                     <a:srgbClr val="000000"/>
                   </a:solidFill>
@@ -597,7 +597,7 @@
             </a:ln>
             <a:extLst>
               <a:ext uri="{91240B29-F687-4f45-9708-019B960494DF}">
-                <a14:hiddenLine xmlns="" xmlns:a14="http://schemas.microsoft.com/office/drawing/2010/main" w="9525">
+                <a14:hiddenLine xmlns:a14="http://schemas.microsoft.com/office/drawing/2010/main" xmlns="" w="9525">
                   <a:solidFill>
                     <a:srgbClr val="000000"/>
                   </a:solidFill>
@@ -659,7 +659,7 @@
             </a:ln>
             <a:extLst>
               <a:ext uri="{91240B29-F687-4f45-9708-019B960494DF}">
-                <a14:hiddenLine xmlns="" xmlns:a14="http://schemas.microsoft.com/office/drawing/2010/main" w="9525">
+                <a14:hiddenLine xmlns:a14="http://schemas.microsoft.com/office/drawing/2010/main" xmlns="" w="9525">
                   <a:solidFill>
                     <a:srgbClr val="000000"/>
                   </a:solidFill>
@@ -749,7 +749,7 @@
             </a:ln>
             <a:extLst>
               <a:ext uri="{91240B29-F687-4f45-9708-019B960494DF}">
-                <a14:hiddenLine xmlns="" xmlns:a14="http://schemas.microsoft.com/office/drawing/2010/main" w="9525">
+                <a14:hiddenLine xmlns:a14="http://schemas.microsoft.com/office/drawing/2010/main" xmlns="" w="9525">
                   <a:solidFill>
                     <a:srgbClr val="000000"/>
                   </a:solidFill>
@@ -811,7 +811,7 @@
             </a:ln>
             <a:extLst>
               <a:ext uri="{91240B29-F687-4f45-9708-019B960494DF}">
-                <a14:hiddenLine xmlns="" xmlns:a14="http://schemas.microsoft.com/office/drawing/2010/main" w="9525">
+                <a14:hiddenLine xmlns:a14="http://schemas.microsoft.com/office/drawing/2010/main" xmlns="" w="9525">
                   <a:solidFill>
                     <a:srgbClr val="000000"/>
                   </a:solidFill>
@@ -873,7 +873,7 @@
             </a:ln>
             <a:extLst>
               <a:ext uri="{91240B29-F687-4f45-9708-019B960494DF}">
-                <a14:hiddenLine xmlns="" xmlns:a14="http://schemas.microsoft.com/office/drawing/2010/main" w="9525">
+                <a14:hiddenLine xmlns:a14="http://schemas.microsoft.com/office/drawing/2010/main" xmlns="" w="9525">
                   <a:solidFill>
                     <a:srgbClr val="000000"/>
                   </a:solidFill>
@@ -963,7 +963,7 @@
             </a:ln>
             <a:extLst>
               <a:ext uri="{91240B29-F687-4f45-9708-019B960494DF}">
-                <a14:hiddenLine xmlns="" xmlns:a14="http://schemas.microsoft.com/office/drawing/2010/main" w="9525">
+                <a14:hiddenLine xmlns:a14="http://schemas.microsoft.com/office/drawing/2010/main" xmlns="" w="9525">
                   <a:solidFill>
                     <a:srgbClr val="000000"/>
                   </a:solidFill>
@@ -1053,7 +1053,7 @@
             </a:ln>
             <a:extLst>
               <a:ext uri="{91240B29-F687-4f45-9708-019B960494DF}">
-                <a14:hiddenLine xmlns="" xmlns:a14="http://schemas.microsoft.com/office/drawing/2010/main" w="9525">
+                <a14:hiddenLine xmlns:a14="http://schemas.microsoft.com/office/drawing/2010/main" xmlns="" w="9525">
                   <a:solidFill>
                     <a:srgbClr val="000000"/>
                   </a:solidFill>
@@ -1115,7 +1115,7 @@
             </a:ln>
             <a:extLst>
               <a:ext uri="{91240B29-F687-4f45-9708-019B960494DF}">
-                <a14:hiddenLine xmlns="" xmlns:a14="http://schemas.microsoft.com/office/drawing/2010/main" w="9525">
+                <a14:hiddenLine xmlns:a14="http://schemas.microsoft.com/office/drawing/2010/main" xmlns="" w="9525">
                   <a:solidFill>
                     <a:srgbClr val="000000"/>
                   </a:solidFill>
@@ -1225,7 +1225,7 @@
             </a:ln>
             <a:extLst>
               <a:ext uri="{91240B29-F687-4f45-9708-019B960494DF}">
-                <a14:hiddenLine xmlns="" xmlns:a14="http://schemas.microsoft.com/office/drawing/2010/main" w="9525">
+                <a14:hiddenLine xmlns:a14="http://schemas.microsoft.com/office/drawing/2010/main" xmlns="" w="9525">
                   <a:solidFill>
                     <a:srgbClr val="000000"/>
                   </a:solidFill>
@@ -1287,7 +1287,7 @@
             </a:ln>
             <a:extLst>
               <a:ext uri="{91240B29-F687-4f45-9708-019B960494DF}">
-                <a14:hiddenLine xmlns="" xmlns:a14="http://schemas.microsoft.com/office/drawing/2010/main" w="9525">
+                <a14:hiddenLine xmlns:a14="http://schemas.microsoft.com/office/drawing/2010/main" xmlns="" w="9525">
                   <a:solidFill>
                     <a:srgbClr val="000000"/>
                   </a:solidFill>
@@ -1377,7 +1377,7 @@
             </a:ln>
             <a:extLst>
               <a:ext uri="{91240B29-F687-4f45-9708-019B960494DF}">
-                <a14:hiddenLine xmlns="" xmlns:a14="http://schemas.microsoft.com/office/drawing/2010/main" w="9525">
+                <a14:hiddenLine xmlns:a14="http://schemas.microsoft.com/office/drawing/2010/main" xmlns="" w="9525">
                   <a:solidFill>
                     <a:srgbClr val="000000"/>
                   </a:solidFill>
@@ -1467,7 +1467,7 @@
             </a:ln>
             <a:extLst>
               <a:ext uri="{91240B29-F687-4f45-9708-019B960494DF}">
-                <a14:hiddenLine xmlns="" xmlns:a14="http://schemas.microsoft.com/office/drawing/2010/main" w="9525">
+                <a14:hiddenLine xmlns:a14="http://schemas.microsoft.com/office/drawing/2010/main" xmlns="" w="9525">
                   <a:solidFill>
                     <a:srgbClr val="000000"/>
                   </a:solidFill>
@@ -1529,7 +1529,7 @@
             </a:ln>
             <a:extLst>
               <a:ext uri="{91240B29-F687-4f45-9708-019B960494DF}">
-                <a14:hiddenLine xmlns="" xmlns:a14="http://schemas.microsoft.com/office/drawing/2010/main" w="9525">
+                <a14:hiddenLine xmlns:a14="http://schemas.microsoft.com/office/drawing/2010/main" xmlns="" w="9525">
                   <a:solidFill>
                     <a:srgbClr val="000000"/>
                   </a:solidFill>
@@ -1619,7 +1619,7 @@
             </a:ln>
             <a:extLst>
               <a:ext uri="{91240B29-F687-4f45-9708-019B960494DF}">
-                <a14:hiddenLine xmlns="" xmlns:a14="http://schemas.microsoft.com/office/drawing/2010/main" w="9525">
+                <a14:hiddenLine xmlns:a14="http://schemas.microsoft.com/office/drawing/2010/main" xmlns="" w="9525">
                   <a:solidFill>
                     <a:srgbClr val="000000"/>
                   </a:solidFill>
@@ -1709,7 +1709,7 @@
             </a:ln>
             <a:extLst>
               <a:ext uri="{91240B29-F687-4f45-9708-019B960494DF}">
-                <a14:hiddenLine xmlns="" xmlns:a14="http://schemas.microsoft.com/office/drawing/2010/main" w="9525">
+                <a14:hiddenLine xmlns:a14="http://schemas.microsoft.com/office/drawing/2010/main" xmlns="" w="9525">
                   <a:solidFill>
                     <a:srgbClr val="000000"/>
                   </a:solidFill>
@@ -1765,7 +1765,7 @@
             </a:ln>
             <a:extLst>
               <a:ext uri="{91240B29-F687-4f45-9708-019B960494DF}">
-                <a14:hiddenLine xmlns="" xmlns:a14="http://schemas.microsoft.com/office/drawing/2010/main" w="9525">
+                <a14:hiddenLine xmlns:a14="http://schemas.microsoft.com/office/drawing/2010/main" xmlns="" w="9525">
                   <a:solidFill>
                     <a:srgbClr val="000000"/>
                   </a:solidFill>
@@ -1855,7 +1855,7 @@
             </a:ln>
             <a:extLst>
               <a:ext uri="{91240B29-F687-4f45-9708-019B960494DF}">
-                <a14:hiddenLine xmlns="" xmlns:a14="http://schemas.microsoft.com/office/drawing/2010/main" w="9525">
+                <a14:hiddenLine xmlns:a14="http://schemas.microsoft.com/office/drawing/2010/main" xmlns="" w="9525">
                   <a:solidFill>
                     <a:srgbClr val="000000"/>
                   </a:solidFill>
@@ -1911,7 +1911,7 @@
             </a:ln>
             <a:extLst>
               <a:ext uri="{91240B29-F687-4f45-9708-019B960494DF}">
-                <a14:hiddenLine xmlns="" xmlns:a14="http://schemas.microsoft.com/office/drawing/2010/main" w="9525">
+                <a14:hiddenLine xmlns:a14="http://schemas.microsoft.com/office/drawing/2010/main" xmlns="" w="9525">
                   <a:solidFill>
                     <a:srgbClr val="000000"/>
                   </a:solidFill>
@@ -2001,7 +2001,7 @@
             </a:ln>
             <a:extLst>
               <a:ext uri="{91240B29-F687-4f45-9708-019B960494DF}">
-                <a14:hiddenLine xmlns="" xmlns:a14="http://schemas.microsoft.com/office/drawing/2010/main" w="9525">
+                <a14:hiddenLine xmlns:a14="http://schemas.microsoft.com/office/drawing/2010/main" xmlns="" w="9525">
                   <a:solidFill>
                     <a:srgbClr val="000000"/>
                   </a:solidFill>
@@ -2069,7 +2069,7 @@
             </a:ln>
             <a:extLst>
               <a:ext uri="{91240B29-F687-4f45-9708-019B960494DF}">
-                <a14:hiddenLine xmlns="" xmlns:a14="http://schemas.microsoft.com/office/drawing/2010/main" w="9525">
+                <a14:hiddenLine xmlns:a14="http://schemas.microsoft.com/office/drawing/2010/main" xmlns="" w="9525">
                   <a:solidFill>
                     <a:srgbClr val="000000"/>
                   </a:solidFill>
@@ -2159,7 +2159,7 @@
             </a:ln>
             <a:extLst>
               <a:ext uri="{91240B29-F687-4f45-9708-019B960494DF}">
-                <a14:hiddenLine xmlns="" xmlns:a14="http://schemas.microsoft.com/office/drawing/2010/main" w="9525">
+                <a14:hiddenLine xmlns:a14="http://schemas.microsoft.com/office/drawing/2010/main" xmlns="" w="9525">
                   <a:solidFill>
                     <a:srgbClr val="000000"/>
                   </a:solidFill>
@@ -2227,7 +2227,7 @@
             </a:ln>
             <a:extLst>
               <a:ext uri="{91240B29-F687-4f45-9708-019B960494DF}">
-                <a14:hiddenLine xmlns="" xmlns:a14="http://schemas.microsoft.com/office/drawing/2010/main" w="9525">
+                <a14:hiddenLine xmlns:a14="http://schemas.microsoft.com/office/drawing/2010/main" xmlns="" w="9525">
                   <a:solidFill>
                     <a:srgbClr val="000000"/>
                   </a:solidFill>
@@ -2317,7 +2317,7 @@
             </a:ln>
             <a:extLst>
               <a:ext uri="{91240B29-F687-4f45-9708-019B960494DF}">
-                <a14:hiddenLine xmlns="" xmlns:a14="http://schemas.microsoft.com/office/drawing/2010/main" w="9525">
+                <a14:hiddenLine xmlns:a14="http://schemas.microsoft.com/office/drawing/2010/main" xmlns="" w="9525">
                   <a:solidFill>
                     <a:srgbClr val="000000"/>
                   </a:solidFill>
@@ -2351,7 +2351,7 @@
             </a:ln>
             <a:extLst>
               <a:ext uri="{91240B29-F687-4f45-9708-019B960494DF}">
-                <a14:hiddenLine xmlns="" xmlns:a14="http://schemas.microsoft.com/office/drawing/2010/main" w="9525">
+                <a14:hiddenLine xmlns:a14="http://schemas.microsoft.com/office/drawing/2010/main" xmlns="" w="9525">
                   <a:solidFill>
                     <a:srgbClr val="000000"/>
                   </a:solidFill>
@@ -2441,7 +2441,7 @@
             </a:ln>
             <a:extLst>
               <a:ext uri="{91240B29-F687-4f45-9708-019B960494DF}">
-                <a14:hiddenLine xmlns="" xmlns:a14="http://schemas.microsoft.com/office/drawing/2010/main" w="9525">
+                <a14:hiddenLine xmlns:a14="http://schemas.microsoft.com/office/drawing/2010/main" xmlns="" w="9525">
                   <a:solidFill>
                     <a:srgbClr val="000000"/>
                   </a:solidFill>
@@ -2503,7 +2503,7 @@
             </a:ln>
             <a:extLst>
               <a:ext uri="{91240B29-F687-4f45-9708-019B960494DF}">
-                <a14:hiddenLine xmlns="" xmlns:a14="http://schemas.microsoft.com/office/drawing/2010/main" w="9525">
+                <a14:hiddenLine xmlns:a14="http://schemas.microsoft.com/office/drawing/2010/main" xmlns="" w="9525">
                   <a:solidFill>
                     <a:srgbClr val="000000"/>
                   </a:solidFill>
@@ -2565,7 +2565,7 @@
             </a:ln>
             <a:extLst>
               <a:ext uri="{91240B29-F687-4f45-9708-019B960494DF}">
-                <a14:hiddenLine xmlns="" xmlns:a14="http://schemas.microsoft.com/office/drawing/2010/main" w="9525">
+                <a14:hiddenLine xmlns:a14="http://schemas.microsoft.com/office/drawing/2010/main" xmlns="" w="9525">
                   <a:solidFill>
                     <a:srgbClr val="000000"/>
                   </a:solidFill>
@@ -2655,7 +2655,7 @@
             </a:ln>
             <a:extLst>
               <a:ext uri="{91240B29-F687-4f45-9708-019B960494DF}">
-                <a14:hiddenLine xmlns="" xmlns:a14="http://schemas.microsoft.com/office/drawing/2010/main" w="9525">
+                <a14:hiddenLine xmlns:a14="http://schemas.microsoft.com/office/drawing/2010/main" xmlns="" w="9525">
                   <a:solidFill>
                     <a:srgbClr val="000000"/>
                   </a:solidFill>
@@ -2723,7 +2723,7 @@
             </a:ln>
             <a:extLst>
               <a:ext uri="{91240B29-F687-4f45-9708-019B960494DF}">
-                <a14:hiddenLine xmlns="" xmlns:a14="http://schemas.microsoft.com/office/drawing/2010/main" w="9525">
+                <a14:hiddenLine xmlns:a14="http://schemas.microsoft.com/office/drawing/2010/main" xmlns="" w="9525">
                   <a:solidFill>
                     <a:srgbClr val="000000"/>
                   </a:solidFill>
@@ -2785,7 +2785,7 @@
             </a:ln>
             <a:extLst>
               <a:ext uri="{91240B29-F687-4f45-9708-019B960494DF}">
-                <a14:hiddenLine xmlns="" xmlns:a14="http://schemas.microsoft.com/office/drawing/2010/main" w="9525">
+                <a14:hiddenLine xmlns:a14="http://schemas.microsoft.com/office/drawing/2010/main" xmlns="" w="9525">
                   <a:solidFill>
                     <a:srgbClr val="000000"/>
                   </a:solidFill>
@@ -2875,7 +2875,7 @@
             </a:ln>
             <a:extLst>
               <a:ext uri="{91240B29-F687-4f45-9708-019B960494DF}">
-                <a14:hiddenLine xmlns="" xmlns:a14="http://schemas.microsoft.com/office/drawing/2010/main" w="9525">
+                <a14:hiddenLine xmlns:a14="http://schemas.microsoft.com/office/drawing/2010/main" xmlns="" w="9525">
                   <a:solidFill>
                     <a:srgbClr val="000000"/>
                   </a:solidFill>
@@ -2937,7 +2937,7 @@
             </a:ln>
             <a:extLst>
               <a:ext uri="{91240B29-F687-4f45-9708-019B960494DF}">
-                <a14:hiddenLine xmlns="" xmlns:a14="http://schemas.microsoft.com/office/drawing/2010/main" w="9525">
+                <a14:hiddenLine xmlns:a14="http://schemas.microsoft.com/office/drawing/2010/main" xmlns="" w="9525">
                   <a:solidFill>
                     <a:srgbClr val="000000"/>
                   </a:solidFill>
@@ -3027,7 +3027,7 @@
             </a:ln>
             <a:extLst>
               <a:ext uri="{91240B29-F687-4f45-9708-019B960494DF}">
-                <a14:hiddenLine xmlns="" xmlns:a14="http://schemas.microsoft.com/office/drawing/2010/main" w="9525">
+                <a14:hiddenLine xmlns:a14="http://schemas.microsoft.com/office/drawing/2010/main" xmlns="" w="9525">
                   <a:solidFill>
                     <a:srgbClr val="000000"/>
                   </a:solidFill>
@@ -3089,7 +3089,7 @@
             </a:ln>
             <a:extLst>
               <a:ext uri="{91240B29-F687-4f45-9708-019B960494DF}">
-                <a14:hiddenLine xmlns="" xmlns:a14="http://schemas.microsoft.com/office/drawing/2010/main" w="9525">
+                <a14:hiddenLine xmlns:a14="http://schemas.microsoft.com/office/drawing/2010/main" xmlns="" w="9525">
                   <a:solidFill>
                     <a:srgbClr val="000000"/>
                   </a:solidFill>
@@ -3179,7 +3179,7 @@
             </a:ln>
             <a:extLst>
               <a:ext uri="{91240B29-F687-4f45-9708-019B960494DF}">
-                <a14:hiddenLine xmlns="" xmlns:a14="http://schemas.microsoft.com/office/drawing/2010/main" w="9525">
+                <a14:hiddenLine xmlns:a14="http://schemas.microsoft.com/office/drawing/2010/main" xmlns="" w="9525">
                   <a:solidFill>
                     <a:srgbClr val="000000"/>
                   </a:solidFill>
@@ -3213,7 +3213,7 @@
             </a:ln>
             <a:extLst>
               <a:ext uri="{91240B29-F687-4f45-9708-019B960494DF}">
-                <a14:hiddenLine xmlns="" xmlns:a14="http://schemas.microsoft.com/office/drawing/2010/main" w="9525">
+                <a14:hiddenLine xmlns:a14="http://schemas.microsoft.com/office/drawing/2010/main" xmlns="" w="9525">
                   <a:solidFill>
                     <a:srgbClr val="000000"/>
                   </a:solidFill>
@@ -3278,7 +3278,7 @@
             </a:ln>
             <a:extLst>
               <a:ext uri="{91240B29-F687-4f45-9708-019B960494DF}">
-                <a14:hiddenLine xmlns="" xmlns:a14="http://schemas.microsoft.com/office/drawing/2010/main" w="9525">
+                <a14:hiddenLine xmlns:a14="http://schemas.microsoft.com/office/drawing/2010/main" xmlns="" w="9525">
                   <a:solidFill>
                     <a:srgbClr val="000000"/>
                   </a:solidFill>
@@ -3368,7 +3368,7 @@
             </a:ln>
             <a:extLst>
               <a:ext uri="{91240B29-F687-4f45-9708-019B960494DF}">
-                <a14:hiddenLine xmlns="" xmlns:a14="http://schemas.microsoft.com/office/drawing/2010/main" w="9525">
+                <a14:hiddenLine xmlns:a14="http://schemas.microsoft.com/office/drawing/2010/main" xmlns="" w="9525">
                   <a:solidFill>
                     <a:srgbClr val="000000"/>
                   </a:solidFill>
@@ -3430,7 +3430,7 @@
             </a:ln>
             <a:extLst>
               <a:ext uri="{91240B29-F687-4f45-9708-019B960494DF}">
-                <a14:hiddenLine xmlns="" xmlns:a14="http://schemas.microsoft.com/office/drawing/2010/main" w="9525">
+                <a14:hiddenLine xmlns:a14="http://schemas.microsoft.com/office/drawing/2010/main" xmlns="" w="9525">
                   <a:solidFill>
                     <a:srgbClr val="000000"/>
                   </a:solidFill>
@@ -3520,7 +3520,7 @@
             </a:ln>
             <a:extLst>
               <a:ext uri="{91240B29-F687-4f45-9708-019B960494DF}">
-                <a14:hiddenLine xmlns="" xmlns:a14="http://schemas.microsoft.com/office/drawing/2010/main" w="9525">
+                <a14:hiddenLine xmlns:a14="http://schemas.microsoft.com/office/drawing/2010/main" xmlns="" w="9525">
                   <a:solidFill>
                     <a:srgbClr val="000000"/>
                   </a:solidFill>
@@ -3610,7 +3610,7 @@
             </a:ln>
             <a:extLst>
               <a:ext uri="{91240B29-F687-4f45-9708-019B960494DF}">
-                <a14:hiddenLine xmlns="" xmlns:a14="http://schemas.microsoft.com/office/drawing/2010/main" w="9525">
+                <a14:hiddenLine xmlns:a14="http://schemas.microsoft.com/office/drawing/2010/main" xmlns="" w="9525">
                   <a:solidFill>
                     <a:srgbClr val="000000"/>
                   </a:solidFill>
@@ -3675,7 +3675,7 @@
             </a:ln>
             <a:extLst>
               <a:ext uri="{91240B29-F687-4f45-9708-019B960494DF}">
-                <a14:hiddenLine xmlns="" xmlns:a14="http://schemas.microsoft.com/office/drawing/2010/main" w="9525">
+                <a14:hiddenLine xmlns:a14="http://schemas.microsoft.com/office/drawing/2010/main" xmlns="" w="9525">
                   <a:solidFill>
                     <a:srgbClr val="000000"/>
                   </a:solidFill>
@@ -3737,7 +3737,7 @@
             </a:ln>
             <a:extLst>
               <a:ext uri="{91240B29-F687-4f45-9708-019B960494DF}">
-                <a14:hiddenLine xmlns="" xmlns:a14="http://schemas.microsoft.com/office/drawing/2010/main" w="9525">
+                <a14:hiddenLine xmlns:a14="http://schemas.microsoft.com/office/drawing/2010/main" xmlns="" w="9525">
                   <a:solidFill>
                     <a:srgbClr val="000000"/>
                   </a:solidFill>
@@ -3827,7 +3827,7 @@
             </a:ln>
             <a:extLst>
               <a:ext uri="{91240B29-F687-4f45-9708-019B960494DF}">
-                <a14:hiddenLine xmlns="" xmlns:a14="http://schemas.microsoft.com/office/drawing/2010/main" w="9525">
+                <a14:hiddenLine xmlns:a14="http://schemas.microsoft.com/office/drawing/2010/main" xmlns="" w="9525">
                   <a:solidFill>
                     <a:srgbClr val="000000"/>
                   </a:solidFill>
@@ -3917,7 +3917,7 @@
             </a:ln>
             <a:extLst>
               <a:ext uri="{91240B29-F687-4f45-9708-019B960494DF}">
-                <a14:hiddenLine xmlns="" xmlns:a14="http://schemas.microsoft.com/office/drawing/2010/main" w="9525">
+                <a14:hiddenLine xmlns:a14="http://schemas.microsoft.com/office/drawing/2010/main" xmlns="" w="9525">
                   <a:solidFill>
                     <a:srgbClr val="000000"/>
                   </a:solidFill>
@@ -3979,7 +3979,7 @@
             </a:ln>
             <a:extLst>
               <a:ext uri="{91240B29-F687-4f45-9708-019B960494DF}">
-                <a14:hiddenLine xmlns="" xmlns:a14="http://schemas.microsoft.com/office/drawing/2010/main" w="9525">
+                <a14:hiddenLine xmlns:a14="http://schemas.microsoft.com/office/drawing/2010/main" xmlns="" w="9525">
                   <a:solidFill>
                     <a:srgbClr val="000000"/>
                   </a:solidFill>
@@ -4099,7 +4099,7 @@
             </a:ln>
             <a:extLst>
               <a:ext uri="{91240B29-F687-4f45-9708-019B960494DF}">
-                <a14:hiddenLine xmlns="" xmlns:a14="http://schemas.microsoft.com/office/drawing/2010/main" w="9525">
+                <a14:hiddenLine xmlns:a14="http://schemas.microsoft.com/office/drawing/2010/main" xmlns="" w="9525">
                   <a:solidFill>
                     <a:srgbClr val="000000"/>
                   </a:solidFill>
@@ -4167,7 +4167,7 @@
             </a:ln>
             <a:extLst>
               <a:ext uri="{91240B29-F687-4f45-9708-019B960494DF}">
-                <a14:hiddenLine xmlns="" xmlns:a14="http://schemas.microsoft.com/office/drawing/2010/main" w="9525">
+                <a14:hiddenLine xmlns:a14="http://schemas.microsoft.com/office/drawing/2010/main" xmlns="" w="9525">
                   <a:solidFill>
                     <a:srgbClr val="000000"/>
                   </a:solidFill>
@@ -4257,7 +4257,7 @@
             </a:ln>
             <a:extLst>
               <a:ext uri="{91240B29-F687-4f45-9708-019B960494DF}">
-                <a14:hiddenLine xmlns="" xmlns:a14="http://schemas.microsoft.com/office/drawing/2010/main" w="9525">
+                <a14:hiddenLine xmlns:a14="http://schemas.microsoft.com/office/drawing/2010/main" xmlns="" w="9525">
                   <a:solidFill>
                     <a:srgbClr val="000000"/>
                   </a:solidFill>
@@ -4397,7 +4397,7 @@
           <a:p>
             <a:fld id="{60D83998-6EE2-42C0-A8E7-E9C7A438FD78}" type="datetimeFigureOut">
               <a:rPr lang="he-IL" smtClean="0"/>
-              <a:t>ז'/אייר/תשפ"ב</a:t>
+              <a:t>ח'/אייר/תשפ"ב</a:t>
             </a:fld>
             <a:endParaRPr lang="he-IL"/>
           </a:p>
@@ -4664,7 +4664,7 @@
           <a:p>
             <a:fld id="{60D83998-6EE2-42C0-A8E7-E9C7A438FD78}" type="datetimeFigureOut">
               <a:rPr lang="he-IL" smtClean="0"/>
-              <a:t>ז'/אייר/תשפ"ב</a:t>
+              <a:t>ח'/אייר/תשפ"ב</a:t>
             </a:fld>
             <a:endParaRPr lang="he-IL"/>
           </a:p>
@@ -4860,7 +4860,7 @@
           <a:p>
             <a:fld id="{60D83998-6EE2-42C0-A8E7-E9C7A438FD78}" type="datetimeFigureOut">
               <a:rPr lang="he-IL" smtClean="0"/>
-              <a:t>ז'/אייר/תשפ"ב</a:t>
+              <a:t>ח'/אייר/תשפ"ב</a:t>
             </a:fld>
             <a:endParaRPr lang="he-IL"/>
           </a:p>
@@ -5123,7 +5123,7 @@
           <a:p>
             <a:fld id="{60D83998-6EE2-42C0-A8E7-E9C7A438FD78}" type="datetimeFigureOut">
               <a:rPr lang="he-IL" smtClean="0"/>
-              <a:t>ז'/אייר/תשפ"ב</a:t>
+              <a:t>ח'/אייר/תשפ"ב</a:t>
             </a:fld>
             <a:endParaRPr lang="he-IL"/>
           </a:p>
@@ -5557,7 +5557,7 @@
           <a:p>
             <a:fld id="{60D83998-6EE2-42C0-A8E7-E9C7A438FD78}" type="datetimeFigureOut">
               <a:rPr lang="he-IL" smtClean="0"/>
-              <a:t>ז'/אייר/תשפ"ב</a:t>
+              <a:t>ח'/אייר/תשפ"ב</a:t>
             </a:fld>
             <a:endParaRPr lang="he-IL"/>
           </a:p>
@@ -6103,7 +6103,7 @@
           <a:p>
             <a:fld id="{60D83998-6EE2-42C0-A8E7-E9C7A438FD78}" type="datetimeFigureOut">
               <a:rPr lang="he-IL" smtClean="0"/>
-              <a:t>ז'/אייר/תשפ"ב</a:t>
+              <a:t>ח'/אייר/תשפ"ב</a:t>
             </a:fld>
             <a:endParaRPr lang="he-IL"/>
           </a:p>
@@ -6823,7 +6823,7 @@
           <a:p>
             <a:fld id="{60D83998-6EE2-42C0-A8E7-E9C7A438FD78}" type="datetimeFigureOut">
               <a:rPr lang="he-IL" smtClean="0"/>
-              <a:t>ז'/אייר/תשפ"ב</a:t>
+              <a:t>ח'/אייר/תשפ"ב</a:t>
             </a:fld>
             <a:endParaRPr lang="he-IL"/>
           </a:p>
@@ -6993,7 +6993,7 @@
           <a:p>
             <a:fld id="{60D83998-6EE2-42C0-A8E7-E9C7A438FD78}" type="datetimeFigureOut">
               <a:rPr lang="he-IL" smtClean="0"/>
-              <a:t>ז'/אייר/תשפ"ב</a:t>
+              <a:t>ח'/אייר/תשפ"ב</a:t>
             </a:fld>
             <a:endParaRPr lang="he-IL"/>
           </a:p>
@@ -7173,7 +7173,7 @@
           <a:p>
             <a:fld id="{60D83998-6EE2-42C0-A8E7-E9C7A438FD78}" type="datetimeFigureOut">
               <a:rPr lang="he-IL" smtClean="0"/>
-              <a:t>ז'/אייר/תשפ"ב</a:t>
+              <a:t>ח'/אייר/תשפ"ב</a:t>
             </a:fld>
             <a:endParaRPr lang="he-IL"/>
           </a:p>
@@ -7343,7 +7343,7 @@
           <a:p>
             <a:fld id="{60D83998-6EE2-42C0-A8E7-E9C7A438FD78}" type="datetimeFigureOut">
               <a:rPr lang="he-IL" smtClean="0"/>
-              <a:t>ז'/אייר/תשפ"ב</a:t>
+              <a:t>ח'/אייר/תשפ"ב</a:t>
             </a:fld>
             <a:endParaRPr lang="he-IL"/>
           </a:p>
@@ -7593,7 +7593,7 @@
           <a:p>
             <a:fld id="{60D83998-6EE2-42C0-A8E7-E9C7A438FD78}" type="datetimeFigureOut">
               <a:rPr lang="he-IL" smtClean="0"/>
-              <a:t>ז'/אייר/תשפ"ב</a:t>
+              <a:t>ח'/אייר/תשפ"ב</a:t>
             </a:fld>
             <a:endParaRPr lang="he-IL"/>
           </a:p>
@@ -7825,7 +7825,7 @@
           <a:p>
             <a:fld id="{60D83998-6EE2-42C0-A8E7-E9C7A438FD78}" type="datetimeFigureOut">
               <a:rPr lang="he-IL" smtClean="0"/>
-              <a:t>ז'/אייר/תשפ"ב</a:t>
+              <a:t>ח'/אייר/תשפ"ב</a:t>
             </a:fld>
             <a:endParaRPr lang="he-IL"/>
           </a:p>
@@ -8206,7 +8206,7 @@
           <a:p>
             <a:fld id="{60D83998-6EE2-42C0-A8E7-E9C7A438FD78}" type="datetimeFigureOut">
               <a:rPr lang="he-IL" smtClean="0"/>
-              <a:t>ז'/אייר/תשפ"ב</a:t>
+              <a:t>ח'/אייר/תשפ"ב</a:t>
             </a:fld>
             <a:endParaRPr lang="he-IL"/>
           </a:p>
@@ -8324,7 +8324,7 @@
           <a:p>
             <a:fld id="{60D83998-6EE2-42C0-A8E7-E9C7A438FD78}" type="datetimeFigureOut">
               <a:rPr lang="he-IL" smtClean="0"/>
-              <a:t>ז'/אייר/תשפ"ב</a:t>
+              <a:t>ח'/אייר/תשפ"ב</a:t>
             </a:fld>
             <a:endParaRPr lang="he-IL"/>
           </a:p>
@@ -8419,7 +8419,7 @@
           <a:p>
             <a:fld id="{60D83998-6EE2-42C0-A8E7-E9C7A438FD78}" type="datetimeFigureOut">
               <a:rPr lang="he-IL" smtClean="0"/>
-              <a:t>ז'/אייר/תשפ"ב</a:t>
+              <a:t>ח'/אייר/תשפ"ב</a:t>
             </a:fld>
             <a:endParaRPr lang="he-IL"/>
           </a:p>
@@ -8668,7 +8668,7 @@
           <a:p>
             <a:fld id="{60D83998-6EE2-42C0-A8E7-E9C7A438FD78}" type="datetimeFigureOut">
               <a:rPr lang="he-IL" smtClean="0"/>
-              <a:t>ז'/אייר/תשפ"ב</a:t>
+              <a:t>ח'/אייר/תשפ"ב</a:t>
             </a:fld>
             <a:endParaRPr lang="he-IL"/>
           </a:p>
@@ -8948,7 +8948,7 @@
           <a:p>
             <a:fld id="{60D83998-6EE2-42C0-A8E7-E9C7A438FD78}" type="datetimeFigureOut">
               <a:rPr lang="he-IL" smtClean="0"/>
-              <a:t>ז'/אייר/תשפ"ב</a:t>
+              <a:t>ח'/אייר/תשפ"ב</a:t>
             </a:fld>
             <a:endParaRPr lang="he-IL"/>
           </a:p>
@@ -9064,7 +9064,7 @@
           <a:noFill/>
           <a:extLst>
             <a:ext uri="{909E8E84-426E-40dd-AFC4-6F175D3DCCD1}">
-              <a14:hiddenFill xmlns="" xmlns:a14="http://schemas.microsoft.com/office/drawing/2010/main">
+              <a14:hiddenFill xmlns:a14="http://schemas.microsoft.com/office/drawing/2010/main" xmlns="">
                 <a:solidFill>
                   <a:srgbClr val="FFFFFF"/>
                 </a:solidFill>
@@ -9138,7 +9138,7 @@
               </a:ln>
               <a:extLst>
                 <a:ext uri="{91240B29-F687-4f45-9708-019B960494DF}">
-                  <a14:hiddenLine xmlns="" xmlns:a14="http://schemas.microsoft.com/office/drawing/2010/main" w="9525">
+                  <a14:hiddenLine xmlns:a14="http://schemas.microsoft.com/office/drawing/2010/main" xmlns="" w="9525">
                     <a:solidFill>
                       <a:srgbClr val="000000"/>
                     </a:solidFill>
@@ -9228,7 +9228,7 @@
               </a:ln>
               <a:extLst>
                 <a:ext uri="{91240B29-F687-4f45-9708-019B960494DF}">
-                  <a14:hiddenLine xmlns="" xmlns:a14="http://schemas.microsoft.com/office/drawing/2010/main" w="9525">
+                  <a14:hiddenLine xmlns:a14="http://schemas.microsoft.com/office/drawing/2010/main" xmlns="" w="9525">
                     <a:solidFill>
                       <a:srgbClr val="000000"/>
                     </a:solidFill>
@@ -9318,7 +9318,7 @@
               </a:ln>
               <a:extLst>
                 <a:ext uri="{91240B29-F687-4f45-9708-019B960494DF}">
-                  <a14:hiddenLine xmlns="" xmlns:a14="http://schemas.microsoft.com/office/drawing/2010/main" w="9525">
+                  <a14:hiddenLine xmlns:a14="http://schemas.microsoft.com/office/drawing/2010/main" xmlns="" w="9525">
                     <a:solidFill>
                       <a:srgbClr val="000000"/>
                     </a:solidFill>
@@ -9380,7 +9380,7 @@
               </a:ln>
               <a:extLst>
                 <a:ext uri="{91240B29-F687-4f45-9708-019B960494DF}">
-                  <a14:hiddenLine xmlns="" xmlns:a14="http://schemas.microsoft.com/office/drawing/2010/main" w="9525">
+                  <a14:hiddenLine xmlns:a14="http://schemas.microsoft.com/office/drawing/2010/main" xmlns="" w="9525">
                     <a:solidFill>
                       <a:srgbClr val="000000"/>
                     </a:solidFill>
@@ -9470,7 +9470,7 @@
               </a:ln>
               <a:extLst>
                 <a:ext uri="{91240B29-F687-4f45-9708-019B960494DF}">
-                  <a14:hiddenLine xmlns="" xmlns:a14="http://schemas.microsoft.com/office/drawing/2010/main" w="9525">
+                  <a14:hiddenLine xmlns:a14="http://schemas.microsoft.com/office/drawing/2010/main" xmlns="" w="9525">
                     <a:solidFill>
                       <a:srgbClr val="000000"/>
                     </a:solidFill>
@@ -9532,7 +9532,7 @@
               </a:ln>
               <a:extLst>
                 <a:ext uri="{91240B29-F687-4f45-9708-019B960494DF}">
-                  <a14:hiddenLine xmlns="" xmlns:a14="http://schemas.microsoft.com/office/drawing/2010/main" w="9525">
+                  <a14:hiddenLine xmlns:a14="http://schemas.microsoft.com/office/drawing/2010/main" xmlns="" w="9525">
                     <a:solidFill>
                       <a:srgbClr val="000000"/>
                     </a:solidFill>
@@ -9594,7 +9594,7 @@
               </a:ln>
               <a:extLst>
                 <a:ext uri="{91240B29-F687-4f45-9708-019B960494DF}">
-                  <a14:hiddenLine xmlns="" xmlns:a14="http://schemas.microsoft.com/office/drawing/2010/main" w="9525">
+                  <a14:hiddenLine xmlns:a14="http://schemas.microsoft.com/office/drawing/2010/main" xmlns="" w="9525">
                     <a:solidFill>
                       <a:srgbClr val="000000"/>
                     </a:solidFill>
@@ -9684,7 +9684,7 @@
               </a:ln>
               <a:extLst>
                 <a:ext uri="{91240B29-F687-4f45-9708-019B960494DF}">
-                  <a14:hiddenLine xmlns="" xmlns:a14="http://schemas.microsoft.com/office/drawing/2010/main" w="9525">
+                  <a14:hiddenLine xmlns:a14="http://schemas.microsoft.com/office/drawing/2010/main" xmlns="" w="9525">
                     <a:solidFill>
                       <a:srgbClr val="000000"/>
                     </a:solidFill>
@@ -9774,7 +9774,7 @@
               </a:ln>
               <a:extLst>
                 <a:ext uri="{91240B29-F687-4f45-9708-019B960494DF}">
-                  <a14:hiddenLine xmlns="" xmlns:a14="http://schemas.microsoft.com/office/drawing/2010/main" w="9525">
+                  <a14:hiddenLine xmlns:a14="http://schemas.microsoft.com/office/drawing/2010/main" xmlns="" w="9525">
                     <a:solidFill>
                       <a:srgbClr val="000000"/>
                     </a:solidFill>
@@ -9836,7 +9836,7 @@
               </a:ln>
               <a:extLst>
                 <a:ext uri="{91240B29-F687-4f45-9708-019B960494DF}">
-                  <a14:hiddenLine xmlns="" xmlns:a14="http://schemas.microsoft.com/office/drawing/2010/main" w="9525">
+                  <a14:hiddenLine xmlns:a14="http://schemas.microsoft.com/office/drawing/2010/main" xmlns="" w="9525">
                     <a:solidFill>
                       <a:srgbClr val="000000"/>
                     </a:solidFill>
@@ -9946,7 +9946,7 @@
               </a:ln>
               <a:extLst>
                 <a:ext uri="{91240B29-F687-4f45-9708-019B960494DF}">
-                  <a14:hiddenLine xmlns="" xmlns:a14="http://schemas.microsoft.com/office/drawing/2010/main" w="9525">
+                  <a14:hiddenLine xmlns:a14="http://schemas.microsoft.com/office/drawing/2010/main" xmlns="" w="9525">
                     <a:solidFill>
                       <a:srgbClr val="000000"/>
                     </a:solidFill>
@@ -10030,7 +10030,7 @@
               </a:ln>
               <a:extLst>
                 <a:ext uri="{91240B29-F687-4f45-9708-019B960494DF}">
-                  <a14:hiddenLine xmlns="" xmlns:a14="http://schemas.microsoft.com/office/drawing/2010/main" w="9525">
+                  <a14:hiddenLine xmlns:a14="http://schemas.microsoft.com/office/drawing/2010/main" xmlns="" w="9525">
                     <a:solidFill>
                       <a:srgbClr val="000000"/>
                     </a:solidFill>
@@ -10092,7 +10092,7 @@
               </a:ln>
               <a:extLst>
                 <a:ext uri="{91240B29-F687-4f45-9708-019B960494DF}">
-                  <a14:hiddenLine xmlns="" xmlns:a14="http://schemas.microsoft.com/office/drawing/2010/main" w="9525">
+                  <a14:hiddenLine xmlns:a14="http://schemas.microsoft.com/office/drawing/2010/main" xmlns="" w="9525">
                     <a:solidFill>
                       <a:srgbClr val="000000"/>
                     </a:solidFill>
@@ -10154,7 +10154,7 @@
               </a:ln>
               <a:extLst>
                 <a:ext uri="{91240B29-F687-4f45-9708-019B960494DF}">
-                  <a14:hiddenLine xmlns="" xmlns:a14="http://schemas.microsoft.com/office/drawing/2010/main" w="9525">
+                  <a14:hiddenLine xmlns:a14="http://schemas.microsoft.com/office/drawing/2010/main" xmlns="" w="9525">
                     <a:solidFill>
                       <a:srgbClr val="000000"/>
                     </a:solidFill>
@@ -10244,7 +10244,7 @@
               </a:ln>
               <a:extLst>
                 <a:ext uri="{91240B29-F687-4f45-9708-019B960494DF}">
-                  <a14:hiddenLine xmlns="" xmlns:a14="http://schemas.microsoft.com/office/drawing/2010/main" w="9525">
+                  <a14:hiddenLine xmlns:a14="http://schemas.microsoft.com/office/drawing/2010/main" xmlns="" w="9525">
                     <a:solidFill>
                       <a:srgbClr val="000000"/>
                     </a:solidFill>
@@ -10278,7 +10278,7 @@
               </a:ln>
               <a:extLst>
                 <a:ext uri="{91240B29-F687-4f45-9708-019B960494DF}">
-                  <a14:hiddenLine xmlns="" xmlns:a14="http://schemas.microsoft.com/office/drawing/2010/main" w="9525">
+                  <a14:hiddenLine xmlns:a14="http://schemas.microsoft.com/office/drawing/2010/main" xmlns="" w="9525">
                     <a:solidFill>
                       <a:srgbClr val="000000"/>
                     </a:solidFill>
@@ -10343,7 +10343,7 @@
               </a:ln>
               <a:extLst>
                 <a:ext uri="{91240B29-F687-4f45-9708-019B960494DF}">
-                  <a14:hiddenLine xmlns="" xmlns:a14="http://schemas.microsoft.com/office/drawing/2010/main" w="9525">
+                  <a14:hiddenLine xmlns:a14="http://schemas.microsoft.com/office/drawing/2010/main" xmlns="" w="9525">
                     <a:solidFill>
                       <a:srgbClr val="000000"/>
                     </a:solidFill>
@@ -10433,7 +10433,7 @@
               </a:ln>
               <a:extLst>
                 <a:ext uri="{91240B29-F687-4f45-9708-019B960494DF}">
-                  <a14:hiddenLine xmlns="" xmlns:a14="http://schemas.microsoft.com/office/drawing/2010/main" w="9525">
+                  <a14:hiddenLine xmlns:a14="http://schemas.microsoft.com/office/drawing/2010/main" xmlns="" w="9525">
                     <a:solidFill>
                       <a:srgbClr val="000000"/>
                     </a:solidFill>
@@ -10495,7 +10495,7 @@
               </a:ln>
               <a:extLst>
                 <a:ext uri="{91240B29-F687-4f45-9708-019B960494DF}">
-                  <a14:hiddenLine xmlns="" xmlns:a14="http://schemas.microsoft.com/office/drawing/2010/main" w="9525">
+                  <a14:hiddenLine xmlns:a14="http://schemas.microsoft.com/office/drawing/2010/main" xmlns="" w="9525">
                     <a:solidFill>
                       <a:srgbClr val="000000"/>
                     </a:solidFill>
@@ -10585,7 +10585,7 @@
               </a:ln>
               <a:extLst>
                 <a:ext uri="{91240B29-F687-4f45-9708-019B960494DF}">
-                  <a14:hiddenLine xmlns="" xmlns:a14="http://schemas.microsoft.com/office/drawing/2010/main" w="9525">
+                  <a14:hiddenLine xmlns:a14="http://schemas.microsoft.com/office/drawing/2010/main" xmlns="" w="9525">
                     <a:solidFill>
                       <a:srgbClr val="000000"/>
                     </a:solidFill>
@@ -10650,7 +10650,7 @@
               </a:ln>
               <a:extLst>
                 <a:ext uri="{91240B29-F687-4f45-9708-019B960494DF}">
-                  <a14:hiddenLine xmlns="" xmlns:a14="http://schemas.microsoft.com/office/drawing/2010/main" w="9525">
+                  <a14:hiddenLine xmlns:a14="http://schemas.microsoft.com/office/drawing/2010/main" xmlns="" w="9525">
                     <a:solidFill>
                       <a:srgbClr val="000000"/>
                     </a:solidFill>
@@ -10712,7 +10712,7 @@
               </a:ln>
               <a:extLst>
                 <a:ext uri="{91240B29-F687-4f45-9708-019B960494DF}">
-                  <a14:hiddenLine xmlns="" xmlns:a14="http://schemas.microsoft.com/office/drawing/2010/main" w="9525">
+                  <a14:hiddenLine xmlns:a14="http://schemas.microsoft.com/office/drawing/2010/main" xmlns="" w="9525">
                     <a:solidFill>
                       <a:srgbClr val="000000"/>
                     </a:solidFill>
@@ -10802,7 +10802,7 @@
               </a:ln>
               <a:extLst>
                 <a:ext uri="{91240B29-F687-4f45-9708-019B960494DF}">
-                  <a14:hiddenLine xmlns="" xmlns:a14="http://schemas.microsoft.com/office/drawing/2010/main" w="9525">
+                  <a14:hiddenLine xmlns:a14="http://schemas.microsoft.com/office/drawing/2010/main" xmlns="" w="9525">
                     <a:solidFill>
                       <a:srgbClr val="000000"/>
                     </a:solidFill>
@@ -10892,7 +10892,7 @@
               </a:ln>
               <a:extLst>
                 <a:ext uri="{91240B29-F687-4f45-9708-019B960494DF}">
-                  <a14:hiddenLine xmlns="" xmlns:a14="http://schemas.microsoft.com/office/drawing/2010/main" w="9525">
+                  <a14:hiddenLine xmlns:a14="http://schemas.microsoft.com/office/drawing/2010/main" xmlns="" w="9525">
                     <a:solidFill>
                       <a:srgbClr val="000000"/>
                     </a:solidFill>
@@ -10957,7 +10957,7 @@
               </a:ln>
               <a:extLst>
                 <a:ext uri="{91240B29-F687-4f45-9708-019B960494DF}">
-                  <a14:hiddenLine xmlns="" xmlns:a14="http://schemas.microsoft.com/office/drawing/2010/main" w="9525">
+                  <a14:hiddenLine xmlns:a14="http://schemas.microsoft.com/office/drawing/2010/main" xmlns="" w="9525">
                     <a:solidFill>
                       <a:srgbClr val="000000"/>
                     </a:solidFill>
@@ -11077,7 +11077,7 @@
               </a:ln>
               <a:extLst>
                 <a:ext uri="{91240B29-F687-4f45-9708-019B960494DF}">
-                  <a14:hiddenLine xmlns="" xmlns:a14="http://schemas.microsoft.com/office/drawing/2010/main" w="9525">
+                  <a14:hiddenLine xmlns:a14="http://schemas.microsoft.com/office/drawing/2010/main" xmlns="" w="9525">
                     <a:solidFill>
                       <a:srgbClr val="000000"/>
                     </a:solidFill>
@@ -11175,7 +11175,7 @@
               </a:ln>
               <a:extLst>
                 <a:ext uri="{91240B29-F687-4f45-9708-019B960494DF}">
-                  <a14:hiddenLine xmlns="" xmlns:a14="http://schemas.microsoft.com/office/drawing/2010/main" w="9525">
+                  <a14:hiddenLine xmlns:a14="http://schemas.microsoft.com/office/drawing/2010/main" xmlns="" w="9525">
                     <a:solidFill>
                       <a:srgbClr val="000000"/>
                     </a:solidFill>
@@ -11290,7 +11290,7 @@
               </a:ln>
               <a:extLst>
                 <a:ext uri="{91240B29-F687-4f45-9708-019B960494DF}">
-                  <a14:hiddenLine xmlns="" xmlns:a14="http://schemas.microsoft.com/office/drawing/2010/main" w="9525">
+                  <a14:hiddenLine xmlns:a14="http://schemas.microsoft.com/office/drawing/2010/main" xmlns="" w="9525">
                     <a:solidFill>
                       <a:srgbClr val="000000"/>
                     </a:solidFill>
@@ -11380,7 +11380,7 @@
               </a:ln>
               <a:extLst>
                 <a:ext uri="{91240B29-F687-4f45-9708-019B960494DF}">
-                  <a14:hiddenLine xmlns="" xmlns:a14="http://schemas.microsoft.com/office/drawing/2010/main" w="9525">
+                  <a14:hiddenLine xmlns:a14="http://schemas.microsoft.com/office/drawing/2010/main" xmlns="" w="9525">
                     <a:solidFill>
                       <a:srgbClr val="000000"/>
                     </a:solidFill>
@@ -11445,7 +11445,7 @@
               </a:ln>
               <a:extLst>
                 <a:ext uri="{91240B29-F687-4f45-9708-019B960494DF}">
-                  <a14:hiddenLine xmlns="" xmlns:a14="http://schemas.microsoft.com/office/drawing/2010/main" w="9525">
+                  <a14:hiddenLine xmlns:a14="http://schemas.microsoft.com/office/drawing/2010/main" xmlns="" w="9525">
                     <a:solidFill>
                       <a:srgbClr val="000000"/>
                     </a:solidFill>
@@ -11535,7 +11535,7 @@
               </a:ln>
               <a:extLst>
                 <a:ext uri="{91240B29-F687-4f45-9708-019B960494DF}">
-                  <a14:hiddenLine xmlns="" xmlns:a14="http://schemas.microsoft.com/office/drawing/2010/main" w="9525">
+                  <a14:hiddenLine xmlns:a14="http://schemas.microsoft.com/office/drawing/2010/main" xmlns="" w="9525">
                     <a:solidFill>
                       <a:srgbClr val="000000"/>
                     </a:solidFill>
@@ -11603,7 +11603,7 @@
               </a:ln>
               <a:extLst>
                 <a:ext uri="{91240B29-F687-4f45-9708-019B960494DF}">
-                  <a14:hiddenLine xmlns="" xmlns:a14="http://schemas.microsoft.com/office/drawing/2010/main" w="9525">
+                  <a14:hiddenLine xmlns:a14="http://schemas.microsoft.com/office/drawing/2010/main" xmlns="" w="9525">
                     <a:solidFill>
                       <a:srgbClr val="000000"/>
                     </a:solidFill>
@@ -11693,7 +11693,7 @@
               </a:ln>
               <a:extLst>
                 <a:ext uri="{91240B29-F687-4f45-9708-019B960494DF}">
-                  <a14:hiddenLine xmlns="" xmlns:a14="http://schemas.microsoft.com/office/drawing/2010/main" w="9525">
+                  <a14:hiddenLine xmlns:a14="http://schemas.microsoft.com/office/drawing/2010/main" xmlns="" w="9525">
                     <a:solidFill>
                       <a:srgbClr val="000000"/>
                     </a:solidFill>
@@ -11761,7 +11761,7 @@
               </a:ln>
               <a:extLst>
                 <a:ext uri="{91240B29-F687-4f45-9708-019B960494DF}">
-                  <a14:hiddenLine xmlns="" xmlns:a14="http://schemas.microsoft.com/office/drawing/2010/main" w="9525">
+                  <a14:hiddenLine xmlns:a14="http://schemas.microsoft.com/office/drawing/2010/main" xmlns="" w="9525">
                     <a:solidFill>
                       <a:srgbClr val="000000"/>
                     </a:solidFill>
@@ -11851,7 +11851,7 @@
               </a:ln>
               <a:extLst>
                 <a:ext uri="{91240B29-F687-4f45-9708-019B960494DF}">
-                  <a14:hiddenLine xmlns="" xmlns:a14="http://schemas.microsoft.com/office/drawing/2010/main" w="9525">
+                  <a14:hiddenLine xmlns:a14="http://schemas.microsoft.com/office/drawing/2010/main" xmlns="" w="9525">
                     <a:solidFill>
                       <a:srgbClr val="000000"/>
                     </a:solidFill>
@@ -11885,7 +11885,7 @@
               </a:ln>
               <a:extLst>
                 <a:ext uri="{91240B29-F687-4f45-9708-019B960494DF}">
-                  <a14:hiddenLine xmlns="" xmlns:a14="http://schemas.microsoft.com/office/drawing/2010/main" w="9525">
+                  <a14:hiddenLine xmlns:a14="http://schemas.microsoft.com/office/drawing/2010/main" xmlns="" w="9525">
                     <a:solidFill>
                       <a:srgbClr val="000000"/>
                     </a:solidFill>
@@ -12025,7 +12025,7 @@
           <a:p>
             <a:fld id="{60D83998-6EE2-42C0-A8E7-E9C7A438FD78}" type="datetimeFigureOut">
               <a:rPr lang="he-IL" smtClean="0"/>
-              <a:t>ז'/אייר/תשפ"ב</a:t>
+              <a:t>ח'/אייר/תשפ"ב</a:t>
             </a:fld>
             <a:endParaRPr lang="he-IL"/>
           </a:p>
@@ -12463,7 +12463,7 @@
         </p:nvSpPr>
         <p:spPr>
           <a:xfrm>
-            <a:off x="1809875" y="389324"/>
+            <a:off x="1651905" y="452077"/>
             <a:ext cx="9144000" cy="1055915"/>
           </a:xfrm>
         </p:spPr>
@@ -12473,6 +12473,7 @@
           </a:bodyPr>
           <a:lstStyle/>
           <a:p>
+            <a:pPr algn="ctr"/>
             <a:r>
               <a:rPr lang="en-US" sz="5400" b="1" dirty="0">
                 <a:solidFill>
@@ -12548,7 +12549,7 @@
         </p:blipFill>
         <p:spPr bwMode="auto">
           <a:xfrm>
-            <a:off x="1493936" y="1757082"/>
+            <a:off x="1583872" y="1694329"/>
             <a:ext cx="9459939" cy="4711594"/>
           </a:xfrm>
           <a:prstGeom prst="rect">
@@ -12712,14 +12713,25 @@
             <p:ph type="title"/>
           </p:nvPr>
         </p:nvSpPr>
-        <p:spPr/>
-        <p:txBody>
-          <a:bodyPr/>
+        <p:spPr>
+          <a:xfrm>
+            <a:off x="1144589" y="85956"/>
+            <a:ext cx="9905998" cy="1478570"/>
+          </a:xfrm>
+        </p:spPr>
+        <p:txBody>
+          <a:bodyPr>
+            <a:normAutofit/>
+          </a:bodyPr>
           <a:lstStyle/>
           <a:p>
             <a:pPr algn="r"/>
             <a:r>
-              <a:rPr lang="he-IL" dirty="0"/>
+              <a:rPr lang="he-IL" sz="4000" b="1" dirty="0">
+                <a:solidFill>
+                  <a:srgbClr val="FF0000"/>
+                </a:solidFill>
+              </a:rPr>
               <a:t> נעשה על ידי :</a:t>
             </a:r>
           </a:p>
@@ -12743,175 +12755,247 @@
         </p:nvSpPr>
         <p:spPr>
           <a:xfrm>
-            <a:off x="1141412" y="1990166"/>
-            <a:ext cx="9905999" cy="4616822"/>
+            <a:off x="1782831" y="1089700"/>
+            <a:ext cx="9264580" cy="5682344"/>
           </a:xfrm>
         </p:spPr>
         <p:txBody>
           <a:bodyPr>
-            <a:normAutofit fontScale="40000" lnSpcReduction="20000"/>
+            <a:normAutofit fontScale="25000" lnSpcReduction="20000"/>
           </a:bodyPr>
           <a:lstStyle/>
           <a:p>
+            <a:pPr marL="0" indent="0" algn="ctr">
+              <a:buNone/>
+            </a:pPr>
+            <a:r>
+              <a:rPr lang="he-IL" sz="9600" b="1" dirty="0">
+                <a:solidFill>
+                  <a:schemeClr val="bg1"/>
+                </a:solidFill>
+              </a:rPr>
+              <a:t>עיסא עבדאללה</a:t>
+            </a:r>
+          </a:p>
+          <a:p>
+            <a:pPr marL="0" indent="0" algn="ctr">
+              <a:buNone/>
+            </a:pPr>
+            <a:r>
+              <a:rPr lang="he-IL" sz="9600" b="1" dirty="0" err="1">
+                <a:solidFill>
+                  <a:schemeClr val="bg1"/>
+                </a:solidFill>
+              </a:rPr>
+              <a:t>רגיד</a:t>
+            </a:r>
+            <a:r>
+              <a:rPr lang="he-IL" sz="9600" b="1" dirty="0">
+                <a:solidFill>
+                  <a:schemeClr val="bg1"/>
+                </a:solidFill>
+              </a:rPr>
+              <a:t> </a:t>
+            </a:r>
+            <a:r>
+              <a:rPr lang="he-IL" sz="9600" b="1" dirty="0" err="1">
+                <a:solidFill>
+                  <a:schemeClr val="bg1"/>
+                </a:solidFill>
+              </a:rPr>
+              <a:t>גאבר</a:t>
+            </a:r>
+            <a:r>
+              <a:rPr lang="he-IL" sz="9600" b="1" dirty="0">
+                <a:solidFill>
+                  <a:schemeClr val="bg1"/>
+                </a:solidFill>
+              </a:rPr>
+              <a:t> </a:t>
+            </a:r>
+          </a:p>
+          <a:p>
+            <a:pPr marL="0" indent="0" algn="ctr">
+              <a:buNone/>
+            </a:pPr>
+            <a:r>
+              <a:rPr lang="he-IL" sz="9600" b="1" dirty="0" err="1">
+                <a:solidFill>
+                  <a:schemeClr val="bg1"/>
+                </a:solidFill>
+              </a:rPr>
+              <a:t>גורגינה</a:t>
+            </a:r>
+            <a:r>
+              <a:rPr lang="he-IL" sz="9600" b="1" dirty="0">
+                <a:solidFill>
+                  <a:schemeClr val="bg1"/>
+                </a:solidFill>
+              </a:rPr>
+              <a:t> עלי</a:t>
+            </a:r>
+          </a:p>
+          <a:p>
+            <a:pPr marL="0" indent="0" algn="ctr">
+              <a:buNone/>
+            </a:pPr>
+            <a:endParaRPr lang="he-IL" sz="9600" b="1" dirty="0">
+              <a:solidFill>
+                <a:schemeClr val="bg1"/>
+              </a:solidFill>
+            </a:endParaRPr>
+          </a:p>
+          <a:p>
+            <a:pPr marL="0" indent="0" algn="ctr">
+              <a:buNone/>
+            </a:pPr>
+            <a:r>
+              <a:rPr lang="he-IL" sz="9600" b="1" dirty="0">
+                <a:solidFill>
+                  <a:schemeClr val="bg1"/>
+                </a:solidFill>
+              </a:rPr>
+              <a:t>איליה </a:t>
+            </a:r>
+            <a:r>
+              <a:rPr lang="he-IL" sz="9600" b="1" dirty="0" err="1">
+                <a:solidFill>
+                  <a:schemeClr val="bg1"/>
+                </a:solidFill>
+              </a:rPr>
+              <a:t>שחאדה</a:t>
+            </a:r>
+            <a:r>
+              <a:rPr lang="he-IL" sz="9600" b="1" dirty="0">
+                <a:solidFill>
+                  <a:schemeClr val="bg1"/>
+                </a:solidFill>
+              </a:rPr>
+              <a:t> </a:t>
+            </a:r>
+          </a:p>
+          <a:p>
+            <a:pPr marL="0" indent="0" algn="ctr">
+              <a:buNone/>
+            </a:pPr>
+            <a:r>
+              <a:rPr lang="he-IL" sz="9600" b="1" dirty="0">
+                <a:solidFill>
+                  <a:schemeClr val="bg1"/>
+                </a:solidFill>
+              </a:rPr>
+              <a:t>מחמד </a:t>
+            </a:r>
+            <a:r>
+              <a:rPr lang="he-IL" sz="9600" b="1" dirty="0" err="1">
+                <a:solidFill>
+                  <a:schemeClr val="bg1"/>
+                </a:solidFill>
+              </a:rPr>
+              <a:t>עואד</a:t>
+            </a:r>
+            <a:endParaRPr lang="he-IL" sz="9600" b="1" dirty="0">
+              <a:solidFill>
+                <a:schemeClr val="bg1"/>
+              </a:solidFill>
+            </a:endParaRPr>
+          </a:p>
+          <a:p>
+            <a:pPr marL="0" indent="0" algn="ctr">
+              <a:buNone/>
+            </a:pPr>
+            <a:r>
+              <a:rPr lang="he-IL" sz="9600" b="1" dirty="0">
+                <a:solidFill>
+                  <a:schemeClr val="bg1"/>
+                </a:solidFill>
+              </a:rPr>
+              <a:t>רגד אבו רחאל </a:t>
+            </a:r>
+          </a:p>
+          <a:p>
+            <a:pPr marL="0" indent="0" algn="ctr">
+              <a:buNone/>
+            </a:pPr>
+            <a:endParaRPr lang="he-IL" sz="9600" b="1" dirty="0">
+              <a:solidFill>
+                <a:schemeClr val="bg1"/>
+              </a:solidFill>
+            </a:endParaRPr>
+          </a:p>
+          <a:p>
+            <a:pPr marL="0" indent="0" algn="ctr">
+              <a:buNone/>
+            </a:pPr>
+            <a:r>
+              <a:rPr lang="he-IL" sz="9600" b="1" dirty="0">
+                <a:solidFill>
+                  <a:schemeClr val="bg1"/>
+                </a:solidFill>
+              </a:rPr>
+              <a:t>תאמר ניקולא </a:t>
+            </a:r>
+          </a:p>
+          <a:p>
+            <a:pPr marL="0" indent="0" algn="ctr">
+              <a:buNone/>
+            </a:pPr>
+            <a:r>
+              <a:rPr lang="he-IL" sz="9600" b="1" dirty="0">
+                <a:solidFill>
+                  <a:schemeClr val="bg1"/>
+                </a:solidFill>
+              </a:rPr>
+              <a:t>קמר אבו </a:t>
+            </a:r>
+            <a:r>
+              <a:rPr lang="he-IL" sz="9600" b="1" dirty="0" err="1">
+                <a:solidFill>
+                  <a:schemeClr val="bg1"/>
+                </a:solidFill>
+              </a:rPr>
+              <a:t>ריא</a:t>
+            </a:r>
+            <a:r>
+              <a:rPr lang="he-IL" sz="9600" b="1" dirty="0">
+                <a:solidFill>
+                  <a:schemeClr val="bg1"/>
+                </a:solidFill>
+              </a:rPr>
+              <a:t> </a:t>
+            </a:r>
+          </a:p>
+          <a:p>
+            <a:pPr marL="0" indent="0" algn="ctr">
+              <a:buNone/>
+            </a:pPr>
+            <a:r>
+              <a:rPr lang="he-IL" sz="9600" b="1" dirty="0">
+                <a:solidFill>
+                  <a:schemeClr val="bg1"/>
+                </a:solidFill>
+              </a:rPr>
+              <a:t>יוסף </a:t>
+            </a:r>
+            <a:r>
+              <a:rPr lang="he-IL" sz="9600" b="1" dirty="0" err="1">
+                <a:solidFill>
+                  <a:schemeClr val="bg1"/>
+                </a:solidFill>
+              </a:rPr>
+              <a:t>ח"מאיסה</a:t>
+            </a:r>
+            <a:endParaRPr lang="he-IL" sz="9600" b="1" dirty="0">
+              <a:solidFill>
+                <a:schemeClr val="bg1"/>
+              </a:solidFill>
+            </a:endParaRPr>
+          </a:p>
+          <a:p>
             <a:pPr marL="0" indent="0" algn="r">
               <a:buNone/>
             </a:pPr>
-            <a:r>
-              <a:rPr lang="he-IL" sz="6200" dirty="0"/>
-              <a:t>1 . עיסא עבדאללה .</a:t>
-            </a:r>
-          </a:p>
-          <a:p>
-            <a:pPr marL="0" indent="0" algn="r">
-              <a:buNone/>
-            </a:pPr>
-            <a:r>
-              <a:rPr lang="he-IL" sz="6200" dirty="0"/>
-              <a:t>2 . קמר אבו </a:t>
-            </a:r>
-            <a:r>
-              <a:rPr lang="he-IL" sz="6200" dirty="0" err="1"/>
-              <a:t>ריא</a:t>
-            </a:r>
-            <a:r>
-              <a:rPr lang="he-IL" sz="6200" dirty="0"/>
-              <a:t> .</a:t>
-            </a:r>
-          </a:p>
-          <a:p>
-            <a:pPr marL="0" indent="0" algn="r">
-              <a:buNone/>
-            </a:pPr>
-            <a:r>
-              <a:rPr lang="he-IL" sz="6200" dirty="0"/>
-              <a:t>3 . תאמר ניקולא .</a:t>
-            </a:r>
-          </a:p>
-          <a:p>
-            <a:pPr marL="0" indent="0" algn="r">
-              <a:buNone/>
-            </a:pPr>
-            <a:r>
-              <a:rPr lang="he-IL" sz="6200" dirty="0"/>
-              <a:t>4 . איליה </a:t>
-            </a:r>
-            <a:r>
-              <a:rPr lang="he-IL" sz="6200" dirty="0" err="1"/>
-              <a:t>שחאדה</a:t>
-            </a:r>
-            <a:r>
-              <a:rPr lang="he-IL" sz="6200" dirty="0"/>
-              <a:t> .</a:t>
-            </a:r>
-          </a:p>
-          <a:p>
-            <a:pPr marL="0" indent="0" algn="r">
-              <a:buNone/>
-            </a:pPr>
-            <a:r>
-              <a:rPr lang="he-IL" sz="6200" dirty="0"/>
-              <a:t>5 . יוסף </a:t>
-            </a:r>
-            <a:r>
-              <a:rPr lang="he-IL" sz="6200" dirty="0" err="1"/>
-              <a:t>ח"מאיסה</a:t>
-            </a:r>
-            <a:r>
-              <a:rPr lang="he-IL" sz="6200" dirty="0"/>
-              <a:t> .</a:t>
-            </a:r>
-          </a:p>
-          <a:p>
-            <a:pPr marL="0" indent="0" algn="r">
-              <a:buNone/>
-            </a:pPr>
-            <a:r>
-              <a:rPr lang="he-IL" sz="6200" dirty="0"/>
-              <a:t>6 . מחמד </a:t>
-            </a:r>
-            <a:r>
-              <a:rPr lang="he-IL" sz="6200" dirty="0" err="1"/>
-              <a:t>עואד</a:t>
-            </a:r>
-            <a:r>
-              <a:rPr lang="he-IL" sz="6200" dirty="0"/>
-              <a:t> .</a:t>
-            </a:r>
-          </a:p>
-          <a:p>
-            <a:pPr marL="0" indent="0" algn="r">
-              <a:buNone/>
-            </a:pPr>
-            <a:r>
-              <a:rPr lang="he-IL" sz="6200" dirty="0"/>
-              <a:t>7 . </a:t>
-            </a:r>
-            <a:r>
-              <a:rPr lang="he-IL" sz="6200" dirty="0" err="1"/>
-              <a:t>רגיד</a:t>
-            </a:r>
-            <a:r>
-              <a:rPr lang="he-IL" sz="6200" dirty="0"/>
-              <a:t> </a:t>
-            </a:r>
-            <a:r>
-              <a:rPr lang="he-IL" sz="6200" dirty="0" err="1"/>
-              <a:t>גאבר</a:t>
-            </a:r>
-            <a:r>
-              <a:rPr lang="he-IL" sz="6200" dirty="0"/>
-              <a:t> .</a:t>
-            </a:r>
-          </a:p>
-          <a:p>
-            <a:pPr marL="0" indent="0" algn="r">
-              <a:buNone/>
-            </a:pPr>
-            <a:r>
-              <a:rPr lang="he-IL" sz="6200" dirty="0"/>
-              <a:t>8 . </a:t>
-            </a:r>
-            <a:r>
-              <a:rPr lang="he-IL" sz="6200" dirty="0" err="1"/>
-              <a:t>רגד</a:t>
-            </a:r>
-            <a:r>
-              <a:rPr lang="he-IL" sz="6200" dirty="0"/>
-              <a:t> אבו </a:t>
-            </a:r>
-            <a:r>
-              <a:rPr lang="he-IL" sz="6200" dirty="0" err="1"/>
-              <a:t>רחאל</a:t>
-            </a:r>
-            <a:r>
-              <a:rPr lang="he-IL" sz="6200" dirty="0"/>
-              <a:t> .</a:t>
-            </a:r>
-          </a:p>
-          <a:p>
-            <a:pPr marL="0" indent="0" algn="r">
-              <a:buNone/>
-            </a:pPr>
-            <a:r>
-              <a:rPr lang="he-IL" sz="6200" dirty="0"/>
-              <a:t>9 . </a:t>
-            </a:r>
-            <a:r>
-              <a:rPr lang="he-IL" sz="6200" dirty="0" err="1"/>
-              <a:t>גורגינה</a:t>
-            </a:r>
-            <a:r>
-              <a:rPr lang="he-IL" sz="6200" dirty="0"/>
-              <a:t> </a:t>
-            </a:r>
-            <a:r>
-              <a:rPr lang="he-IL" sz="6200" dirty="0" err="1"/>
-              <a:t>עראידה</a:t>
-            </a:r>
-            <a:r>
-              <a:rPr lang="he-IL" sz="6200" dirty="0"/>
-              <a:t> .</a:t>
-            </a:r>
+            <a:endParaRPr lang="en-GB" sz="6200" dirty="0"/>
           </a:p>
           <a:p>
             <a:pPr marL="0" indent="0" algn="r">
@@ -13242,10 +13326,7 @@
             </a:avLst>
           </a:prstGeom>
           <a:solidFill>
-            <a:schemeClr val="accent6">
-              <a:lumMod val="40000"/>
-              <a:lumOff val="60000"/>
-            </a:schemeClr>
+            <a:srgbClr val="E1D7D7"/>
           </a:solidFill>
         </p:spPr>
         <p:style>
@@ -13919,7 +14000,9 @@
             <a:avLst/>
           </a:prstGeom>
           <a:solidFill>
-            <a:schemeClr val="accent1"/>
+            <a:schemeClr val="tx2">
+              <a:lumMod val="50000"/>
+            </a:schemeClr>
           </a:solidFill>
         </p:spPr>
         <p:style>
@@ -14214,6 +14297,9 @@
           <a:prstGeom prst="ellipse">
             <a:avLst/>
           </a:prstGeom>
+          <a:solidFill>
+            <a:srgbClr val="E1D7D7"/>
+          </a:solidFill>
         </p:spPr>
         <p:style>
           <a:lnRef idx="2">
@@ -14329,10 +14415,7 @@
             </a:avLst>
           </a:prstGeom>
           <a:solidFill>
-            <a:schemeClr val="accent6">
-              <a:lumMod val="40000"/>
-              <a:lumOff val="60000"/>
-            </a:schemeClr>
+            <a:srgbClr val="E1D7D7"/>
           </a:solidFill>
         </p:spPr>
         <p:style>
@@ -15030,7 +15113,9 @@
             <a:avLst/>
           </a:prstGeom>
           <a:solidFill>
-            <a:schemeClr val="accent1"/>
+            <a:schemeClr val="tx2">
+              <a:lumMod val="50000"/>
+            </a:schemeClr>
           </a:solidFill>
         </p:spPr>
         <p:style>
@@ -15325,6 +15410,9 @@
           <a:prstGeom prst="ellipse">
             <a:avLst/>
           </a:prstGeom>
+          <a:solidFill>
+            <a:srgbClr val="E1D7D7"/>
+          </a:solidFill>
         </p:spPr>
         <p:style>
           <a:lnRef idx="2">
@@ -15440,10 +15528,7 @@
             </a:avLst>
           </a:prstGeom>
           <a:solidFill>
-            <a:schemeClr val="accent6">
-              <a:lumMod val="40000"/>
-              <a:lumOff val="60000"/>
-            </a:schemeClr>
+            <a:srgbClr val="E1D7D7"/>
           </a:solidFill>
         </p:spPr>
         <p:style>
@@ -16181,7 +16266,9 @@
             <a:avLst/>
           </a:prstGeom>
           <a:solidFill>
-            <a:schemeClr val="accent1"/>
+            <a:schemeClr val="tx2">
+              <a:lumMod val="50000"/>
+            </a:schemeClr>
           </a:solidFill>
         </p:spPr>
         <p:style>
@@ -16476,6 +16563,9 @@
           <a:prstGeom prst="ellipse">
             <a:avLst/>
           </a:prstGeom>
+          <a:solidFill>
+            <a:srgbClr val="E1D7D7"/>
+          </a:solidFill>
         </p:spPr>
         <p:style>
           <a:lnRef idx="2">
@@ -17572,7 +17662,7 @@
         </p:nvSpPr>
         <p:spPr>
           <a:xfrm>
-            <a:off x="6674395" y="5106210"/>
+            <a:off x="6667760" y="5052590"/>
             <a:ext cx="2041091" cy="646331"/>
           </a:xfrm>
           <a:prstGeom prst="rect">
@@ -17805,16 +17895,223 @@
             <p:ph idx="1"/>
           </p:nvPr>
         </p:nvSpPr>
-        <p:spPr/>
-        <p:txBody>
-          <a:bodyPr/>
+        <p:spPr>
+          <a:xfrm>
+            <a:off x="1141412" y="2500719"/>
+            <a:ext cx="9905999" cy="3541714"/>
+          </a:xfrm>
+        </p:spPr>
+        <p:txBody>
+          <a:bodyPr>
+            <a:normAutofit/>
+          </a:bodyPr>
           <a:lstStyle/>
           <a:p>
-            <a:pPr algn="r"/>
-            <a:endParaRPr lang="en-GB"/>
-          </a:p>
-        </p:txBody>
-      </p:sp>
+            <a:pPr algn="r" rtl="1"/>
+            <a:r>
+              <a:rPr lang="ar-AE" sz="3200" dirty="0" err="1"/>
+              <a:t>דרך</a:t>
+            </a:r>
+            <a:r>
+              <a:rPr lang="ar-AE" sz="3200" dirty="0"/>
+              <a:t> ה </a:t>
+            </a:r>
+            <a:r>
+              <a:rPr lang="en-GB" sz="3200" dirty="0"/>
+              <a:t> CSS </a:t>
+            </a:r>
+            <a:r>
+              <a:rPr lang="en-GB" sz="3200" dirty="0" err="1"/>
+              <a:t>מעצבים</a:t>
+            </a:r>
+            <a:r>
+              <a:rPr lang="en-GB" sz="3200" dirty="0"/>
+              <a:t> </a:t>
+            </a:r>
+            <a:r>
+              <a:rPr lang="en-GB" sz="3200" dirty="0" err="1"/>
+              <a:t>את</a:t>
+            </a:r>
+            <a:r>
+              <a:rPr lang="en-GB" sz="3200" dirty="0"/>
+              <a:t> </a:t>
+            </a:r>
+            <a:r>
+              <a:rPr lang="en-GB" sz="3200" dirty="0" err="1"/>
+              <a:t>כל</a:t>
+            </a:r>
+            <a:r>
+              <a:rPr lang="en-GB" sz="3200" dirty="0"/>
+              <a:t> </a:t>
+            </a:r>
+            <a:r>
+              <a:rPr lang="en-GB" sz="3200" dirty="0" err="1"/>
+              <a:t>הפר</a:t>
+            </a:r>
+            <a:r>
+              <a:rPr lang="he-IL" sz="3200" dirty="0" err="1"/>
+              <a:t>ויקט</a:t>
+            </a:r>
+            <a:r>
+              <a:rPr lang="he-IL" sz="3200" dirty="0"/>
+              <a:t> </a:t>
+            </a:r>
+          </a:p>
+          <a:p>
+            <a:pPr algn="r" rtl="1"/>
+            <a:r>
+              <a:rPr lang="he-IL" sz="3200" dirty="0"/>
+              <a:t>דרך </a:t>
+            </a:r>
+            <a:r>
+              <a:rPr lang="en-GB" sz="3200" dirty="0"/>
+              <a:t>HTML </a:t>
+            </a:r>
+            <a:r>
+              <a:rPr lang="he-IL" sz="3200" dirty="0"/>
+              <a:t> מציגים את ה </a:t>
+            </a:r>
+            <a:r>
+              <a:rPr lang="en-GB" sz="3200" dirty="0"/>
+              <a:t>CSS</a:t>
+            </a:r>
+            <a:r>
+              <a:rPr lang="he-IL" sz="3200" dirty="0"/>
+              <a:t> ו </a:t>
+            </a:r>
+            <a:r>
+              <a:rPr lang="en-GB" sz="3200" dirty="0"/>
+              <a:t> JAVASCRIPT</a:t>
+            </a:r>
+            <a:r>
+              <a:rPr lang="he-IL" sz="3200" dirty="0"/>
+              <a:t> </a:t>
+            </a:r>
+          </a:p>
+          <a:p>
+            <a:pPr algn="r" rtl="1"/>
+            <a:r>
+              <a:rPr lang="he-IL" sz="3200" dirty="0"/>
+              <a:t>בסוף  מריצים את </a:t>
+            </a:r>
+            <a:r>
+              <a:rPr lang="he-IL" sz="3200" dirty="0" err="1"/>
+              <a:t>הכל</a:t>
+            </a:r>
+            <a:r>
+              <a:rPr lang="he-IL" sz="3200" dirty="0"/>
+              <a:t> דרך </a:t>
+            </a:r>
+            <a:r>
+              <a:rPr lang="en-GB" sz="3200" dirty="0"/>
+              <a:t>HTML</a:t>
+            </a:r>
+          </a:p>
+        </p:txBody>
+      </p:sp>
+      <p:pic>
+        <p:nvPicPr>
+          <p:cNvPr id="6" name="Picture 5" descr="A picture containing shape&#10;&#10;Description automatically generated">
+            <a:extLst>
+              <a:ext uri="{FF2B5EF4-FFF2-40B4-BE49-F238E27FC236}">
+                <a16:creationId xmlns:a16="http://schemas.microsoft.com/office/drawing/2014/main" id="{4B01B00B-EC8C-40B4-BF07-349458CD2F21}"/>
+              </a:ext>
+            </a:extLst>
+          </p:cNvPr>
+          <p:cNvPicPr>
+            <a:picLocks noChangeAspect="1"/>
+          </p:cNvPicPr>
+          <p:nvPr/>
+        </p:nvPicPr>
+        <p:blipFill rotWithShape="1">
+          <a:blip r:embed="rId2">
+            <a:extLst>
+              <a:ext uri="{BEBA8EAE-BF5A-486C-A8C5-ECC9F3942E4B}">
+                <a14:imgProps xmlns:a14="http://schemas.microsoft.com/office/drawing/2010/main">
+                  <a14:imgLayer r:embed="rId3">
+                    <a14:imgEffect>
+                      <a14:backgroundRemoval t="9732" b="91443" l="54535" r="95116">
+                        <a14:foregroundMark x1="54651" y1="26342" x2="54651" y2="26342"/>
+                        <a14:foregroundMark x1="75698" y1="91443" x2="75698" y2="91443"/>
+                        <a14:foregroundMark x1="95116" y1="28188" x2="95116" y2="28188"/>
+                        <a14:foregroundMark x1="78605" y1="10235" x2="78605" y2="10235"/>
+                        <a14:foregroundMark x1="87791" y1="10570" x2="87791" y2="10570"/>
+                        <a14:foregroundMark x1="71047" y1="12919" x2="71047" y2="12919"/>
+                        <a14:foregroundMark x1="63256" y1="13087" x2="63256" y2="13087"/>
+                      </a14:backgroundRemoval>
+                    </a14:imgEffect>
+                  </a14:imgLayer>
+                </a14:imgProps>
+              </a:ext>
+              <a:ext uri="{28A0092B-C50C-407E-A947-70E740481C1C}">
+                <a14:useLocalDpi xmlns:a14="http://schemas.microsoft.com/office/drawing/2010/main" val="0"/>
+              </a:ext>
+            </a:extLst>
+          </a:blip>
+          <a:srcRect l="50000"/>
+          <a:stretch/>
+        </p:blipFill>
+        <p:spPr>
+          <a:xfrm>
+            <a:off x="2068983" y="298425"/>
+            <a:ext cx="1327520" cy="1840005"/>
+          </a:xfrm>
+          <a:prstGeom prst="rect">
+            <a:avLst/>
+          </a:prstGeom>
+        </p:spPr>
+      </p:pic>
+      <p:pic>
+        <p:nvPicPr>
+          <p:cNvPr id="8" name="Picture 7" descr="A picture containing shape&#10;&#10;Description automatically generated">
+            <a:extLst>
+              <a:ext uri="{FF2B5EF4-FFF2-40B4-BE49-F238E27FC236}">
+                <a16:creationId xmlns:a16="http://schemas.microsoft.com/office/drawing/2014/main" id="{F70C95E6-5A1F-47AE-8230-26B5F4428022}"/>
+              </a:ext>
+            </a:extLst>
+          </p:cNvPr>
+          <p:cNvPicPr>
+            <a:picLocks noChangeAspect="1"/>
+          </p:cNvPicPr>
+          <p:nvPr/>
+        </p:nvPicPr>
+        <p:blipFill rotWithShape="1">
+          <a:blip r:embed="rId4">
+            <a:extLst>
+              <a:ext uri="{BEBA8EAE-BF5A-486C-A8C5-ECC9F3942E4B}">
+                <a14:imgProps xmlns:a14="http://schemas.microsoft.com/office/drawing/2010/main">
+                  <a14:imgLayer r:embed="rId3">
+                    <a14:imgEffect>
+                      <a14:backgroundRemoval t="7886" b="91611" l="4419" r="45698">
+                        <a14:foregroundMark x1="45698" y1="26007" x2="45698" y2="26007"/>
+                        <a14:foregroundMark x1="27326" y1="91611" x2="27209" y2="90268"/>
+                        <a14:foregroundMark x1="4419" y1="25671" x2="4419" y2="25671"/>
+                        <a14:foregroundMark x1="16163" y1="7886" x2="16163" y2="7886"/>
+                        <a14:foregroundMark x1="23372" y1="12248" x2="23372" y2="12248"/>
+                        <a14:foregroundMark x1="33140" y1="13087" x2="33140" y2="13087"/>
+                      </a14:backgroundRemoval>
+                    </a14:imgEffect>
+                  </a14:imgLayer>
+                </a14:imgProps>
+              </a:ext>
+              <a:ext uri="{28A0092B-C50C-407E-A947-70E740481C1C}">
+                <a14:useLocalDpi xmlns:a14="http://schemas.microsoft.com/office/drawing/2010/main" val="0"/>
+              </a:ext>
+            </a:extLst>
+          </a:blip>
+          <a:srcRect r="50000"/>
+          <a:stretch/>
+        </p:blipFill>
+        <p:spPr>
+          <a:xfrm>
+            <a:off x="8885144" y="256229"/>
+            <a:ext cx="1388409" cy="1924399"/>
+          </a:xfrm>
+          <a:prstGeom prst="rect">
+            <a:avLst/>
+          </a:prstGeom>
+        </p:spPr>
+      </p:pic>
     </p:spTree>
     <p:extLst>
       <p:ext uri="{BB962C8B-B14F-4D97-AF65-F5344CB8AC3E}">
@@ -18009,6 +18306,84 @@
           </a:p>
         </p:txBody>
       </p:sp>
+      <p:pic>
+        <p:nvPicPr>
+          <p:cNvPr id="5" name="Picture 4" descr="A picture containing text, first-aid kit, clipart, vector graphics&#10;&#10;Description automatically generated">
+            <a:extLst>
+              <a:ext uri="{FF2B5EF4-FFF2-40B4-BE49-F238E27FC236}">
+                <a16:creationId xmlns:a16="http://schemas.microsoft.com/office/drawing/2014/main" id="{F1A4AF05-42B2-49F3-9C82-1C85E12CF8FC}"/>
+              </a:ext>
+            </a:extLst>
+          </p:cNvPr>
+          <p:cNvPicPr>
+            <a:picLocks noChangeAspect="1"/>
+          </p:cNvPicPr>
+          <p:nvPr/>
+        </p:nvPicPr>
+        <p:blipFill rotWithShape="1">
+          <a:blip r:embed="rId2">
+            <a:extLst>
+              <a:ext uri="{BEBA8EAE-BF5A-486C-A8C5-ECC9F3942E4B}">
+                <a14:imgProps xmlns:a14="http://schemas.microsoft.com/office/drawing/2010/main">
+                  <a14:imgLayer r:embed="rId3">
+                    <a14:imgEffect>
+                      <a14:backgroundRemoval t="8685" b="89906" l="70200" r="96600">
+                        <a14:foregroundMark x1="96500" y1="25352" x2="96500" y2="25352"/>
+                        <a14:foregroundMark x1="87200" y1="8685" x2="87200" y2="8685"/>
+                        <a14:foregroundMark x1="82900" y1="9390" x2="82900" y2="9390"/>
+                      </a14:backgroundRemoval>
+                    </a14:imgEffect>
+                  </a14:imgLayer>
+                </a14:imgProps>
+              </a:ext>
+              <a:ext uri="{28A0092B-C50C-407E-A947-70E740481C1C}">
+                <a14:useLocalDpi xmlns:a14="http://schemas.microsoft.com/office/drawing/2010/main" val="0"/>
+              </a:ext>
+            </a:extLst>
+          </a:blip>
+          <a:srcRect l="66902"/>
+          <a:stretch/>
+        </p:blipFill>
+        <p:spPr>
+          <a:xfrm>
+            <a:off x="1636618" y="149240"/>
+            <a:ext cx="1572745" cy="2024267"/>
+          </a:xfrm>
+          <a:prstGeom prst="rect">
+            <a:avLst/>
+          </a:prstGeom>
+        </p:spPr>
+      </p:pic>
+      <p:pic>
+        <p:nvPicPr>
+          <p:cNvPr id="6" name="Picture 5">
+            <a:extLst>
+              <a:ext uri="{FF2B5EF4-FFF2-40B4-BE49-F238E27FC236}">
+                <a16:creationId xmlns:a16="http://schemas.microsoft.com/office/drawing/2014/main" id="{8FEB419D-C94C-49BB-B528-7A064D89B21A}"/>
+              </a:ext>
+            </a:extLst>
+          </p:cNvPr>
+          <p:cNvPicPr>
+            <a:picLocks noChangeAspect="1"/>
+          </p:cNvPicPr>
+          <p:nvPr/>
+        </p:nvPicPr>
+        <p:blipFill>
+          <a:blip r:embed="rId4"/>
+          <a:stretch>
+            <a:fillRect/>
+          </a:stretch>
+        </p:blipFill>
+        <p:spPr>
+          <a:xfrm>
+            <a:off x="8982638" y="149240"/>
+            <a:ext cx="1572904" cy="2024047"/>
+          </a:xfrm>
+          <a:prstGeom prst="rect">
+            <a:avLst/>
+          </a:prstGeom>
+        </p:spPr>
+      </p:pic>
     </p:spTree>
     <p:extLst>
       <p:ext uri="{BB962C8B-B14F-4D97-AF65-F5344CB8AC3E}">
